--- a/ppt 16-9/1140.末后的光景.pptx
+++ b/ppt 16-9/1140.末后的光景.pptx
@@ -5,7 +5,7 @@
     <p:sldMasterId id="2147483648" r:id="rId1"/>
   </p:sldMasterIdLst>
   <p:sldIdLst>
-    <p:sldId id="627" r:id="rId2"/>
+    <p:sldId id="630" r:id="rId2"/>
   </p:sldIdLst>
   <p:sldSz cx="12192000" cy="6858000"/>
   <p:notesSz cx="6858000" cy="9144000"/>
@@ -129,7 +129,7 @@
           <p:cNvPr id="2" name="标题 1">
             <a:extLst>
               <a:ext uri="{FF2B5EF4-FFF2-40B4-BE49-F238E27FC236}">
-                <a16:creationId xmlns:a16="http://schemas.microsoft.com/office/drawing/2014/main" id="{FFC8FED2-8E59-2C9C-8712-FBD673A5BF35}"/>
+                <a16:creationId xmlns:a16="http://schemas.microsoft.com/office/drawing/2014/main" id="{32732438-80A0-37DB-7EED-C570990CA48C}"/>
               </a:ext>
             </a:extLst>
           </p:cNvPr>
@@ -166,7 +166,7 @@
           <p:cNvPr id="3" name="副标题 2">
             <a:extLst>
               <a:ext uri="{FF2B5EF4-FFF2-40B4-BE49-F238E27FC236}">
-                <a16:creationId xmlns:a16="http://schemas.microsoft.com/office/drawing/2014/main" id="{704B14BF-F48F-7B29-D832-D3C5FC3714CF}"/>
+                <a16:creationId xmlns:a16="http://schemas.microsoft.com/office/drawing/2014/main" id="{3BF92AC6-D4FA-69F5-EEA3-786F5C4AD8DB}"/>
               </a:ext>
             </a:extLst>
           </p:cNvPr>
@@ -236,7 +236,7 @@
           <p:cNvPr id="4" name="日期占位符 3">
             <a:extLst>
               <a:ext uri="{FF2B5EF4-FFF2-40B4-BE49-F238E27FC236}">
-                <a16:creationId xmlns:a16="http://schemas.microsoft.com/office/drawing/2014/main" id="{7D355042-0ACE-46AC-313C-50CF8070DD5B}"/>
+                <a16:creationId xmlns:a16="http://schemas.microsoft.com/office/drawing/2014/main" id="{740D416A-1A46-B4BC-299C-8BF148DFA903}"/>
               </a:ext>
             </a:extLst>
           </p:cNvPr>
@@ -252,7 +252,7 @@
           <a:bodyPr/>
           <a:lstStyle/>
           <a:p>
-            <a:fld id="{F5D39C47-3EF3-4F0C-BB76-D5CEC7FC649A}" type="datetimeFigureOut">
+            <a:fld id="{12F4E700-E81F-4E09-B3D1-EAD9A34CBF83}" type="datetimeFigureOut">
               <a:rPr lang="zh-CN" altLang="en-US" smtClean="0"/>
               <a:t>2024/3/10</a:t>
             </a:fld>
@@ -265,7 +265,7 @@
           <p:cNvPr id="5" name="页脚占位符 4">
             <a:extLst>
               <a:ext uri="{FF2B5EF4-FFF2-40B4-BE49-F238E27FC236}">
-                <a16:creationId xmlns:a16="http://schemas.microsoft.com/office/drawing/2014/main" id="{3B5B3DF6-6F6F-89AB-7491-6198B40B7A8E}"/>
+                <a16:creationId xmlns:a16="http://schemas.microsoft.com/office/drawing/2014/main" id="{4E580B21-46C8-EE6F-8222-105CF467C9A8}"/>
               </a:ext>
             </a:extLst>
           </p:cNvPr>
@@ -290,7 +290,7 @@
           <p:cNvPr id="6" name="灯片编号占位符 5">
             <a:extLst>
               <a:ext uri="{FF2B5EF4-FFF2-40B4-BE49-F238E27FC236}">
-                <a16:creationId xmlns:a16="http://schemas.microsoft.com/office/drawing/2014/main" id="{CC254A05-BEE9-4F7E-D699-A794056412DB}"/>
+                <a16:creationId xmlns:a16="http://schemas.microsoft.com/office/drawing/2014/main" id="{82BF9344-EC5E-170D-D48E-042CA0A9E54A}"/>
               </a:ext>
             </a:extLst>
           </p:cNvPr>
@@ -306,7 +306,7 @@
           <a:bodyPr/>
           <a:lstStyle/>
           <a:p>
-            <a:fld id="{61051EDA-4460-4127-8758-154DEE152EA1}" type="slidenum">
+            <a:fld id="{5A15991C-1BE7-4542-9385-C83575D13DFD}" type="slidenum">
               <a:rPr lang="zh-CN" altLang="en-US" smtClean="0"/>
               <a:t>‹#›</a:t>
             </a:fld>
@@ -317,7 +317,7 @@
     </p:spTree>
     <p:extLst>
       <p:ext uri="{BB962C8B-B14F-4D97-AF65-F5344CB8AC3E}">
-        <p14:creationId xmlns:p14="http://schemas.microsoft.com/office/powerpoint/2010/main" val="1617289510"/>
+        <p14:creationId xmlns:p14="http://schemas.microsoft.com/office/powerpoint/2010/main" val="4288925896"/>
       </p:ext>
     </p:extLst>
   </p:cSld>
@@ -349,7 +349,7 @@
           <p:cNvPr id="2" name="标题 1">
             <a:extLst>
               <a:ext uri="{FF2B5EF4-FFF2-40B4-BE49-F238E27FC236}">
-                <a16:creationId xmlns:a16="http://schemas.microsoft.com/office/drawing/2014/main" id="{9ADED636-57BA-AD3F-BA65-90596C3EB1E7}"/>
+                <a16:creationId xmlns:a16="http://schemas.microsoft.com/office/drawing/2014/main" id="{4556A2C8-BE6F-CA5B-DC14-C6B4145478BC}"/>
               </a:ext>
             </a:extLst>
           </p:cNvPr>
@@ -377,7 +377,7 @@
           <p:cNvPr id="3" name="竖排文字占位符 2">
             <a:extLst>
               <a:ext uri="{FF2B5EF4-FFF2-40B4-BE49-F238E27FC236}">
-                <a16:creationId xmlns:a16="http://schemas.microsoft.com/office/drawing/2014/main" id="{4DA16E14-1A65-6AAC-763A-5450A87928EF}"/>
+                <a16:creationId xmlns:a16="http://schemas.microsoft.com/office/drawing/2014/main" id="{53ED1CD2-AE44-1624-4F3C-8D94C0BC1EDC}"/>
               </a:ext>
             </a:extLst>
           </p:cNvPr>
@@ -434,7 +434,7 @@
           <p:cNvPr id="4" name="日期占位符 3">
             <a:extLst>
               <a:ext uri="{FF2B5EF4-FFF2-40B4-BE49-F238E27FC236}">
-                <a16:creationId xmlns:a16="http://schemas.microsoft.com/office/drawing/2014/main" id="{30D5B0B2-AA60-44E6-AE9C-631B89B6744A}"/>
+                <a16:creationId xmlns:a16="http://schemas.microsoft.com/office/drawing/2014/main" id="{B266485D-BF32-991E-C81F-F50FD508DAD2}"/>
               </a:ext>
             </a:extLst>
           </p:cNvPr>
@@ -450,7 +450,7 @@
           <a:bodyPr/>
           <a:lstStyle/>
           <a:p>
-            <a:fld id="{F5D39C47-3EF3-4F0C-BB76-D5CEC7FC649A}" type="datetimeFigureOut">
+            <a:fld id="{12F4E700-E81F-4E09-B3D1-EAD9A34CBF83}" type="datetimeFigureOut">
               <a:rPr lang="zh-CN" altLang="en-US" smtClean="0"/>
               <a:t>2024/3/10</a:t>
             </a:fld>
@@ -463,7 +463,7 @@
           <p:cNvPr id="5" name="页脚占位符 4">
             <a:extLst>
               <a:ext uri="{FF2B5EF4-FFF2-40B4-BE49-F238E27FC236}">
-                <a16:creationId xmlns:a16="http://schemas.microsoft.com/office/drawing/2014/main" id="{2AAFA5AB-AB67-F77D-2A42-3597FAE0E6C7}"/>
+                <a16:creationId xmlns:a16="http://schemas.microsoft.com/office/drawing/2014/main" id="{D42775FF-C0B3-54FB-CF62-C05F954F47CB}"/>
               </a:ext>
             </a:extLst>
           </p:cNvPr>
@@ -488,7 +488,7 @@
           <p:cNvPr id="6" name="灯片编号占位符 5">
             <a:extLst>
               <a:ext uri="{FF2B5EF4-FFF2-40B4-BE49-F238E27FC236}">
-                <a16:creationId xmlns:a16="http://schemas.microsoft.com/office/drawing/2014/main" id="{E1EC0A6D-75F7-B2E8-C374-C4ECFB54FCC4}"/>
+                <a16:creationId xmlns:a16="http://schemas.microsoft.com/office/drawing/2014/main" id="{D60BC8C2-BDDD-C0E9-E0FD-E6A021BED3BF}"/>
               </a:ext>
             </a:extLst>
           </p:cNvPr>
@@ -504,7 +504,7 @@
           <a:bodyPr/>
           <a:lstStyle/>
           <a:p>
-            <a:fld id="{61051EDA-4460-4127-8758-154DEE152EA1}" type="slidenum">
+            <a:fld id="{5A15991C-1BE7-4542-9385-C83575D13DFD}" type="slidenum">
               <a:rPr lang="zh-CN" altLang="en-US" smtClean="0"/>
               <a:t>‹#›</a:t>
             </a:fld>
@@ -515,7 +515,7 @@
     </p:spTree>
     <p:extLst>
       <p:ext uri="{BB962C8B-B14F-4D97-AF65-F5344CB8AC3E}">
-        <p14:creationId xmlns:p14="http://schemas.microsoft.com/office/powerpoint/2010/main" val="4168835406"/>
+        <p14:creationId xmlns:p14="http://schemas.microsoft.com/office/powerpoint/2010/main" val="2533865014"/>
       </p:ext>
     </p:extLst>
   </p:cSld>
@@ -547,7 +547,7 @@
           <p:cNvPr id="2" name="竖排标题 1">
             <a:extLst>
               <a:ext uri="{FF2B5EF4-FFF2-40B4-BE49-F238E27FC236}">
-                <a16:creationId xmlns:a16="http://schemas.microsoft.com/office/drawing/2014/main" id="{71A5EE10-02A5-C378-6E81-6CE1F42F8534}"/>
+                <a16:creationId xmlns:a16="http://schemas.microsoft.com/office/drawing/2014/main" id="{A95F7B79-6DA7-C259-0EA8-EA27D68573E4}"/>
               </a:ext>
             </a:extLst>
           </p:cNvPr>
@@ -580,7 +580,7 @@
           <p:cNvPr id="3" name="竖排文字占位符 2">
             <a:extLst>
               <a:ext uri="{FF2B5EF4-FFF2-40B4-BE49-F238E27FC236}">
-                <a16:creationId xmlns:a16="http://schemas.microsoft.com/office/drawing/2014/main" id="{668AD5A6-AAC8-3B3C-E0A5-7FA1B68D1D1B}"/>
+                <a16:creationId xmlns:a16="http://schemas.microsoft.com/office/drawing/2014/main" id="{3F2D38F0-3153-5AE2-F9B3-82D97810ED00}"/>
               </a:ext>
             </a:extLst>
           </p:cNvPr>
@@ -642,7 +642,7 @@
           <p:cNvPr id="4" name="日期占位符 3">
             <a:extLst>
               <a:ext uri="{FF2B5EF4-FFF2-40B4-BE49-F238E27FC236}">
-                <a16:creationId xmlns:a16="http://schemas.microsoft.com/office/drawing/2014/main" id="{053A3845-3C7B-6BD4-D19B-437BAA7A3505}"/>
+                <a16:creationId xmlns:a16="http://schemas.microsoft.com/office/drawing/2014/main" id="{8B55EB10-CECB-0BDF-25AE-20CBA8ECE089}"/>
               </a:ext>
             </a:extLst>
           </p:cNvPr>
@@ -658,7 +658,7 @@
           <a:bodyPr/>
           <a:lstStyle/>
           <a:p>
-            <a:fld id="{F5D39C47-3EF3-4F0C-BB76-D5CEC7FC649A}" type="datetimeFigureOut">
+            <a:fld id="{12F4E700-E81F-4E09-B3D1-EAD9A34CBF83}" type="datetimeFigureOut">
               <a:rPr lang="zh-CN" altLang="en-US" smtClean="0"/>
               <a:t>2024/3/10</a:t>
             </a:fld>
@@ -671,7 +671,7 @@
           <p:cNvPr id="5" name="页脚占位符 4">
             <a:extLst>
               <a:ext uri="{FF2B5EF4-FFF2-40B4-BE49-F238E27FC236}">
-                <a16:creationId xmlns:a16="http://schemas.microsoft.com/office/drawing/2014/main" id="{F15105B3-E788-7203-7000-6B982B313B2D}"/>
+                <a16:creationId xmlns:a16="http://schemas.microsoft.com/office/drawing/2014/main" id="{9F106A3A-8BDF-8005-F192-082A02A5BF14}"/>
               </a:ext>
             </a:extLst>
           </p:cNvPr>
@@ -696,7 +696,7 @@
           <p:cNvPr id="6" name="灯片编号占位符 5">
             <a:extLst>
               <a:ext uri="{FF2B5EF4-FFF2-40B4-BE49-F238E27FC236}">
-                <a16:creationId xmlns:a16="http://schemas.microsoft.com/office/drawing/2014/main" id="{444EBBBF-AC3F-DB49-F34C-6416CF2E6976}"/>
+                <a16:creationId xmlns:a16="http://schemas.microsoft.com/office/drawing/2014/main" id="{3F4B6C33-0AC3-3D6A-55BA-0F1E91FA42A2}"/>
               </a:ext>
             </a:extLst>
           </p:cNvPr>
@@ -712,7 +712,7 @@
           <a:bodyPr/>
           <a:lstStyle/>
           <a:p>
-            <a:fld id="{61051EDA-4460-4127-8758-154DEE152EA1}" type="slidenum">
+            <a:fld id="{5A15991C-1BE7-4542-9385-C83575D13DFD}" type="slidenum">
               <a:rPr lang="zh-CN" altLang="en-US" smtClean="0"/>
               <a:t>‹#›</a:t>
             </a:fld>
@@ -723,7 +723,7 @@
     </p:spTree>
     <p:extLst>
       <p:ext uri="{BB962C8B-B14F-4D97-AF65-F5344CB8AC3E}">
-        <p14:creationId xmlns:p14="http://schemas.microsoft.com/office/powerpoint/2010/main" val="284204636"/>
+        <p14:creationId xmlns:p14="http://schemas.microsoft.com/office/powerpoint/2010/main" val="728020181"/>
       </p:ext>
     </p:extLst>
   </p:cSld>
@@ -755,7 +755,7 @@
           <p:cNvPr id="2" name="标题 1">
             <a:extLst>
               <a:ext uri="{FF2B5EF4-FFF2-40B4-BE49-F238E27FC236}">
-                <a16:creationId xmlns:a16="http://schemas.microsoft.com/office/drawing/2014/main" id="{26749BE7-5E04-238E-946E-84628B70639C}"/>
+                <a16:creationId xmlns:a16="http://schemas.microsoft.com/office/drawing/2014/main" id="{A1882CFC-DECD-0461-7D6D-6097679E33E2}"/>
               </a:ext>
             </a:extLst>
           </p:cNvPr>
@@ -783,7 +783,7 @@
           <p:cNvPr id="3" name="内容占位符 2">
             <a:extLst>
               <a:ext uri="{FF2B5EF4-FFF2-40B4-BE49-F238E27FC236}">
-                <a16:creationId xmlns:a16="http://schemas.microsoft.com/office/drawing/2014/main" id="{F75EDAEF-6282-A528-0536-6A2F9E65009D}"/>
+                <a16:creationId xmlns:a16="http://schemas.microsoft.com/office/drawing/2014/main" id="{E449C89C-4750-D750-D98C-2A5A198BAE74}"/>
               </a:ext>
             </a:extLst>
           </p:cNvPr>
@@ -840,7 +840,7 @@
           <p:cNvPr id="4" name="日期占位符 3">
             <a:extLst>
               <a:ext uri="{FF2B5EF4-FFF2-40B4-BE49-F238E27FC236}">
-                <a16:creationId xmlns:a16="http://schemas.microsoft.com/office/drawing/2014/main" id="{DABE0A5D-7292-08C6-F1F7-EBA9137CC456}"/>
+                <a16:creationId xmlns:a16="http://schemas.microsoft.com/office/drawing/2014/main" id="{263AFAAB-43DA-4E71-6C8E-079F7F038B90}"/>
               </a:ext>
             </a:extLst>
           </p:cNvPr>
@@ -856,7 +856,7 @@
           <a:bodyPr/>
           <a:lstStyle/>
           <a:p>
-            <a:fld id="{F5D39C47-3EF3-4F0C-BB76-D5CEC7FC649A}" type="datetimeFigureOut">
+            <a:fld id="{12F4E700-E81F-4E09-B3D1-EAD9A34CBF83}" type="datetimeFigureOut">
               <a:rPr lang="zh-CN" altLang="en-US" smtClean="0"/>
               <a:t>2024/3/10</a:t>
             </a:fld>
@@ -869,7 +869,7 @@
           <p:cNvPr id="5" name="页脚占位符 4">
             <a:extLst>
               <a:ext uri="{FF2B5EF4-FFF2-40B4-BE49-F238E27FC236}">
-                <a16:creationId xmlns:a16="http://schemas.microsoft.com/office/drawing/2014/main" id="{24A9DF01-9794-D870-6B85-8E9934E1B5A7}"/>
+                <a16:creationId xmlns:a16="http://schemas.microsoft.com/office/drawing/2014/main" id="{C1A3360B-DA70-3EDB-9996-62125E99DFBE}"/>
               </a:ext>
             </a:extLst>
           </p:cNvPr>
@@ -894,7 +894,7 @@
           <p:cNvPr id="6" name="灯片编号占位符 5">
             <a:extLst>
               <a:ext uri="{FF2B5EF4-FFF2-40B4-BE49-F238E27FC236}">
-                <a16:creationId xmlns:a16="http://schemas.microsoft.com/office/drawing/2014/main" id="{D2F7AC35-46B7-7040-285E-86A1B63537A5}"/>
+                <a16:creationId xmlns:a16="http://schemas.microsoft.com/office/drawing/2014/main" id="{869DC8C4-3CE4-9101-87BD-2BC4D0EEEA18}"/>
               </a:ext>
             </a:extLst>
           </p:cNvPr>
@@ -910,7 +910,7 @@
           <a:bodyPr/>
           <a:lstStyle/>
           <a:p>
-            <a:fld id="{61051EDA-4460-4127-8758-154DEE152EA1}" type="slidenum">
+            <a:fld id="{5A15991C-1BE7-4542-9385-C83575D13DFD}" type="slidenum">
               <a:rPr lang="zh-CN" altLang="en-US" smtClean="0"/>
               <a:t>‹#›</a:t>
             </a:fld>
@@ -921,7 +921,7 @@
     </p:spTree>
     <p:extLst>
       <p:ext uri="{BB962C8B-B14F-4D97-AF65-F5344CB8AC3E}">
-        <p14:creationId xmlns:p14="http://schemas.microsoft.com/office/powerpoint/2010/main" val="306793317"/>
+        <p14:creationId xmlns:p14="http://schemas.microsoft.com/office/powerpoint/2010/main" val="2353236148"/>
       </p:ext>
     </p:extLst>
   </p:cSld>
@@ -953,7 +953,7 @@
           <p:cNvPr id="2" name="标题 1">
             <a:extLst>
               <a:ext uri="{FF2B5EF4-FFF2-40B4-BE49-F238E27FC236}">
-                <a16:creationId xmlns:a16="http://schemas.microsoft.com/office/drawing/2014/main" id="{D48914BC-C7B5-0AEC-21C1-84C61A7D9D3C}"/>
+                <a16:creationId xmlns:a16="http://schemas.microsoft.com/office/drawing/2014/main" id="{A968698C-0489-E29C-F3DE-99B300F646B6}"/>
               </a:ext>
             </a:extLst>
           </p:cNvPr>
@@ -990,7 +990,7 @@
           <p:cNvPr id="3" name="文本占位符 2">
             <a:extLst>
               <a:ext uri="{FF2B5EF4-FFF2-40B4-BE49-F238E27FC236}">
-                <a16:creationId xmlns:a16="http://schemas.microsoft.com/office/drawing/2014/main" id="{2E4F056D-E424-84F2-8C8F-4C443658B9A5}"/>
+                <a16:creationId xmlns:a16="http://schemas.microsoft.com/office/drawing/2014/main" id="{304057DD-412C-34ED-A53B-C4878257323D}"/>
               </a:ext>
             </a:extLst>
           </p:cNvPr>
@@ -1115,7 +1115,7 @@
           <p:cNvPr id="4" name="日期占位符 3">
             <a:extLst>
               <a:ext uri="{FF2B5EF4-FFF2-40B4-BE49-F238E27FC236}">
-                <a16:creationId xmlns:a16="http://schemas.microsoft.com/office/drawing/2014/main" id="{FA27C894-6CE5-4001-94FC-335CE64BA6BF}"/>
+                <a16:creationId xmlns:a16="http://schemas.microsoft.com/office/drawing/2014/main" id="{5F1C20A2-C3A0-E6F5-C746-423BAF2F2537}"/>
               </a:ext>
             </a:extLst>
           </p:cNvPr>
@@ -1131,7 +1131,7 @@
           <a:bodyPr/>
           <a:lstStyle/>
           <a:p>
-            <a:fld id="{F5D39C47-3EF3-4F0C-BB76-D5CEC7FC649A}" type="datetimeFigureOut">
+            <a:fld id="{12F4E700-E81F-4E09-B3D1-EAD9A34CBF83}" type="datetimeFigureOut">
               <a:rPr lang="zh-CN" altLang="en-US" smtClean="0"/>
               <a:t>2024/3/10</a:t>
             </a:fld>
@@ -1144,7 +1144,7 @@
           <p:cNvPr id="5" name="页脚占位符 4">
             <a:extLst>
               <a:ext uri="{FF2B5EF4-FFF2-40B4-BE49-F238E27FC236}">
-                <a16:creationId xmlns:a16="http://schemas.microsoft.com/office/drawing/2014/main" id="{B7B662D5-D997-418A-9B94-6ADC76042C4C}"/>
+                <a16:creationId xmlns:a16="http://schemas.microsoft.com/office/drawing/2014/main" id="{CD7DA2A7-F40C-3AF6-02A6-DB75B38081E9}"/>
               </a:ext>
             </a:extLst>
           </p:cNvPr>
@@ -1169,7 +1169,7 @@
           <p:cNvPr id="6" name="灯片编号占位符 5">
             <a:extLst>
               <a:ext uri="{FF2B5EF4-FFF2-40B4-BE49-F238E27FC236}">
-                <a16:creationId xmlns:a16="http://schemas.microsoft.com/office/drawing/2014/main" id="{750B7E38-F72D-44DA-21E6-63320F17AB15}"/>
+                <a16:creationId xmlns:a16="http://schemas.microsoft.com/office/drawing/2014/main" id="{AC4D53E3-D3F6-812B-8411-F06EEC2B1E44}"/>
               </a:ext>
             </a:extLst>
           </p:cNvPr>
@@ -1185,7 +1185,7 @@
           <a:bodyPr/>
           <a:lstStyle/>
           <a:p>
-            <a:fld id="{61051EDA-4460-4127-8758-154DEE152EA1}" type="slidenum">
+            <a:fld id="{5A15991C-1BE7-4542-9385-C83575D13DFD}" type="slidenum">
               <a:rPr lang="zh-CN" altLang="en-US" smtClean="0"/>
               <a:t>‹#›</a:t>
             </a:fld>
@@ -1196,7 +1196,7 @@
     </p:spTree>
     <p:extLst>
       <p:ext uri="{BB962C8B-B14F-4D97-AF65-F5344CB8AC3E}">
-        <p14:creationId xmlns:p14="http://schemas.microsoft.com/office/powerpoint/2010/main" val="1865470171"/>
+        <p14:creationId xmlns:p14="http://schemas.microsoft.com/office/powerpoint/2010/main" val="3961116861"/>
       </p:ext>
     </p:extLst>
   </p:cSld>
@@ -1228,7 +1228,7 @@
           <p:cNvPr id="2" name="标题 1">
             <a:extLst>
               <a:ext uri="{FF2B5EF4-FFF2-40B4-BE49-F238E27FC236}">
-                <a16:creationId xmlns:a16="http://schemas.microsoft.com/office/drawing/2014/main" id="{3455A4FF-7421-1651-4BB7-6642049076EF}"/>
+                <a16:creationId xmlns:a16="http://schemas.microsoft.com/office/drawing/2014/main" id="{4F8B8620-48BD-7CAD-9104-91EF526CFACB}"/>
               </a:ext>
             </a:extLst>
           </p:cNvPr>
@@ -1256,7 +1256,7 @@
           <p:cNvPr id="3" name="内容占位符 2">
             <a:extLst>
               <a:ext uri="{FF2B5EF4-FFF2-40B4-BE49-F238E27FC236}">
-                <a16:creationId xmlns:a16="http://schemas.microsoft.com/office/drawing/2014/main" id="{FD544CA5-8B94-B686-1661-6C0752BF825C}"/>
+                <a16:creationId xmlns:a16="http://schemas.microsoft.com/office/drawing/2014/main" id="{FC1904B4-45E9-0E49-BF21-E3591962CDB4}"/>
               </a:ext>
             </a:extLst>
           </p:cNvPr>
@@ -1318,7 +1318,7 @@
           <p:cNvPr id="4" name="内容占位符 3">
             <a:extLst>
               <a:ext uri="{FF2B5EF4-FFF2-40B4-BE49-F238E27FC236}">
-                <a16:creationId xmlns:a16="http://schemas.microsoft.com/office/drawing/2014/main" id="{B9BCC73E-613A-BAA8-66FA-5F4F1CE87A67}"/>
+                <a16:creationId xmlns:a16="http://schemas.microsoft.com/office/drawing/2014/main" id="{0A0343F2-5E71-2FFD-2B83-A6EB9F9D800B}"/>
               </a:ext>
             </a:extLst>
           </p:cNvPr>
@@ -1380,7 +1380,7 @@
           <p:cNvPr id="5" name="日期占位符 4">
             <a:extLst>
               <a:ext uri="{FF2B5EF4-FFF2-40B4-BE49-F238E27FC236}">
-                <a16:creationId xmlns:a16="http://schemas.microsoft.com/office/drawing/2014/main" id="{33BD2F89-7F08-BB1C-745B-D54B160FA5BB}"/>
+                <a16:creationId xmlns:a16="http://schemas.microsoft.com/office/drawing/2014/main" id="{6FABC7AB-364D-4F55-0296-CAA35CAA6BBF}"/>
               </a:ext>
             </a:extLst>
           </p:cNvPr>
@@ -1396,7 +1396,7 @@
           <a:bodyPr/>
           <a:lstStyle/>
           <a:p>
-            <a:fld id="{F5D39C47-3EF3-4F0C-BB76-D5CEC7FC649A}" type="datetimeFigureOut">
+            <a:fld id="{12F4E700-E81F-4E09-B3D1-EAD9A34CBF83}" type="datetimeFigureOut">
               <a:rPr lang="zh-CN" altLang="en-US" smtClean="0"/>
               <a:t>2024/3/10</a:t>
             </a:fld>
@@ -1409,7 +1409,7 @@
           <p:cNvPr id="6" name="页脚占位符 5">
             <a:extLst>
               <a:ext uri="{FF2B5EF4-FFF2-40B4-BE49-F238E27FC236}">
-                <a16:creationId xmlns:a16="http://schemas.microsoft.com/office/drawing/2014/main" id="{B9C42A56-B725-F24D-8721-A25C95E33D2E}"/>
+                <a16:creationId xmlns:a16="http://schemas.microsoft.com/office/drawing/2014/main" id="{29D916AC-E270-A4F0-7B06-0413A91748AD}"/>
               </a:ext>
             </a:extLst>
           </p:cNvPr>
@@ -1434,7 +1434,7 @@
           <p:cNvPr id="7" name="灯片编号占位符 6">
             <a:extLst>
               <a:ext uri="{FF2B5EF4-FFF2-40B4-BE49-F238E27FC236}">
-                <a16:creationId xmlns:a16="http://schemas.microsoft.com/office/drawing/2014/main" id="{66CED443-D820-CC9E-5E90-D623C5B0AB06}"/>
+                <a16:creationId xmlns:a16="http://schemas.microsoft.com/office/drawing/2014/main" id="{674366AE-7A27-5B16-A81A-7C9C58CD59FC}"/>
               </a:ext>
             </a:extLst>
           </p:cNvPr>
@@ -1450,7 +1450,7 @@
           <a:bodyPr/>
           <a:lstStyle/>
           <a:p>
-            <a:fld id="{61051EDA-4460-4127-8758-154DEE152EA1}" type="slidenum">
+            <a:fld id="{5A15991C-1BE7-4542-9385-C83575D13DFD}" type="slidenum">
               <a:rPr lang="zh-CN" altLang="en-US" smtClean="0"/>
               <a:t>‹#›</a:t>
             </a:fld>
@@ -1461,7 +1461,7 @@
     </p:spTree>
     <p:extLst>
       <p:ext uri="{BB962C8B-B14F-4D97-AF65-F5344CB8AC3E}">
-        <p14:creationId xmlns:p14="http://schemas.microsoft.com/office/powerpoint/2010/main" val="798056842"/>
+        <p14:creationId xmlns:p14="http://schemas.microsoft.com/office/powerpoint/2010/main" val="254877924"/>
       </p:ext>
     </p:extLst>
   </p:cSld>
@@ -1493,7 +1493,7 @@
           <p:cNvPr id="2" name="标题 1">
             <a:extLst>
               <a:ext uri="{FF2B5EF4-FFF2-40B4-BE49-F238E27FC236}">
-                <a16:creationId xmlns:a16="http://schemas.microsoft.com/office/drawing/2014/main" id="{A4623CBA-2394-6D5D-75BD-9325B31C9BEE}"/>
+                <a16:creationId xmlns:a16="http://schemas.microsoft.com/office/drawing/2014/main" id="{1C8E19FB-F048-E22A-BAE2-AAB0CE09F373}"/>
               </a:ext>
             </a:extLst>
           </p:cNvPr>
@@ -1526,7 +1526,7 @@
           <p:cNvPr id="3" name="文本占位符 2">
             <a:extLst>
               <a:ext uri="{FF2B5EF4-FFF2-40B4-BE49-F238E27FC236}">
-                <a16:creationId xmlns:a16="http://schemas.microsoft.com/office/drawing/2014/main" id="{CD27FA41-CCD9-1DA3-B568-BB0CA6BF9573}"/>
+                <a16:creationId xmlns:a16="http://schemas.microsoft.com/office/drawing/2014/main" id="{F5329FC2-AB42-3CD7-E26C-8975548E6EA7}"/>
               </a:ext>
             </a:extLst>
           </p:cNvPr>
@@ -1597,7 +1597,7 @@
           <p:cNvPr id="4" name="内容占位符 3">
             <a:extLst>
               <a:ext uri="{FF2B5EF4-FFF2-40B4-BE49-F238E27FC236}">
-                <a16:creationId xmlns:a16="http://schemas.microsoft.com/office/drawing/2014/main" id="{89996A8B-2EDC-4D82-DB32-1E803DB7E28D}"/>
+                <a16:creationId xmlns:a16="http://schemas.microsoft.com/office/drawing/2014/main" id="{03A84385-79A4-108F-213D-6307B7DAC5DA}"/>
               </a:ext>
             </a:extLst>
           </p:cNvPr>
@@ -1659,7 +1659,7 @@
           <p:cNvPr id="5" name="文本占位符 4">
             <a:extLst>
               <a:ext uri="{FF2B5EF4-FFF2-40B4-BE49-F238E27FC236}">
-                <a16:creationId xmlns:a16="http://schemas.microsoft.com/office/drawing/2014/main" id="{91C10662-B036-ED7E-637B-DAB56005E5C7}"/>
+                <a16:creationId xmlns:a16="http://schemas.microsoft.com/office/drawing/2014/main" id="{8201D183-ECA3-0F4A-4F07-C88849ADD713}"/>
               </a:ext>
             </a:extLst>
           </p:cNvPr>
@@ -1730,7 +1730,7 @@
           <p:cNvPr id="6" name="内容占位符 5">
             <a:extLst>
               <a:ext uri="{FF2B5EF4-FFF2-40B4-BE49-F238E27FC236}">
-                <a16:creationId xmlns:a16="http://schemas.microsoft.com/office/drawing/2014/main" id="{CB18DE3C-0CD9-C78B-419E-051F64C43108}"/>
+                <a16:creationId xmlns:a16="http://schemas.microsoft.com/office/drawing/2014/main" id="{F2B1B891-08F8-197D-5B0A-BFE8FD145F9D}"/>
               </a:ext>
             </a:extLst>
           </p:cNvPr>
@@ -1792,7 +1792,7 @@
           <p:cNvPr id="7" name="日期占位符 6">
             <a:extLst>
               <a:ext uri="{FF2B5EF4-FFF2-40B4-BE49-F238E27FC236}">
-                <a16:creationId xmlns:a16="http://schemas.microsoft.com/office/drawing/2014/main" id="{3C95CFA3-A3A1-C680-4FEE-D809D1E21F22}"/>
+                <a16:creationId xmlns:a16="http://schemas.microsoft.com/office/drawing/2014/main" id="{3CFC4658-DFDD-206E-154E-96B67627A24E}"/>
               </a:ext>
             </a:extLst>
           </p:cNvPr>
@@ -1808,7 +1808,7 @@
           <a:bodyPr/>
           <a:lstStyle/>
           <a:p>
-            <a:fld id="{F5D39C47-3EF3-4F0C-BB76-D5CEC7FC649A}" type="datetimeFigureOut">
+            <a:fld id="{12F4E700-E81F-4E09-B3D1-EAD9A34CBF83}" type="datetimeFigureOut">
               <a:rPr lang="zh-CN" altLang="en-US" smtClean="0"/>
               <a:t>2024/3/10</a:t>
             </a:fld>
@@ -1821,7 +1821,7 @@
           <p:cNvPr id="8" name="页脚占位符 7">
             <a:extLst>
               <a:ext uri="{FF2B5EF4-FFF2-40B4-BE49-F238E27FC236}">
-                <a16:creationId xmlns:a16="http://schemas.microsoft.com/office/drawing/2014/main" id="{3BA52484-6A6E-BE51-6B42-EF564E16B4FF}"/>
+                <a16:creationId xmlns:a16="http://schemas.microsoft.com/office/drawing/2014/main" id="{62D3123E-672B-F425-C67D-6932DD904359}"/>
               </a:ext>
             </a:extLst>
           </p:cNvPr>
@@ -1846,7 +1846,7 @@
           <p:cNvPr id="9" name="灯片编号占位符 8">
             <a:extLst>
               <a:ext uri="{FF2B5EF4-FFF2-40B4-BE49-F238E27FC236}">
-                <a16:creationId xmlns:a16="http://schemas.microsoft.com/office/drawing/2014/main" id="{89FEB0C8-2D27-1AD8-5804-15F6D625EC10}"/>
+                <a16:creationId xmlns:a16="http://schemas.microsoft.com/office/drawing/2014/main" id="{C63057BE-3305-F485-96DB-D6E7B33C46CA}"/>
               </a:ext>
             </a:extLst>
           </p:cNvPr>
@@ -1862,7 +1862,7 @@
           <a:bodyPr/>
           <a:lstStyle/>
           <a:p>
-            <a:fld id="{61051EDA-4460-4127-8758-154DEE152EA1}" type="slidenum">
+            <a:fld id="{5A15991C-1BE7-4542-9385-C83575D13DFD}" type="slidenum">
               <a:rPr lang="zh-CN" altLang="en-US" smtClean="0"/>
               <a:t>‹#›</a:t>
             </a:fld>
@@ -1873,7 +1873,7 @@
     </p:spTree>
     <p:extLst>
       <p:ext uri="{BB962C8B-B14F-4D97-AF65-F5344CB8AC3E}">
-        <p14:creationId xmlns:p14="http://schemas.microsoft.com/office/powerpoint/2010/main" val="2986697738"/>
+        <p14:creationId xmlns:p14="http://schemas.microsoft.com/office/powerpoint/2010/main" val="550973755"/>
       </p:ext>
     </p:extLst>
   </p:cSld>
@@ -1905,7 +1905,7 @@
           <p:cNvPr id="2" name="标题 1">
             <a:extLst>
               <a:ext uri="{FF2B5EF4-FFF2-40B4-BE49-F238E27FC236}">
-                <a16:creationId xmlns:a16="http://schemas.microsoft.com/office/drawing/2014/main" id="{2378099A-E392-601C-7A93-45B121156994}"/>
+                <a16:creationId xmlns:a16="http://schemas.microsoft.com/office/drawing/2014/main" id="{79F78098-EF82-5DFE-CB81-1E6A95B27E75}"/>
               </a:ext>
             </a:extLst>
           </p:cNvPr>
@@ -1933,7 +1933,7 @@
           <p:cNvPr id="3" name="日期占位符 2">
             <a:extLst>
               <a:ext uri="{FF2B5EF4-FFF2-40B4-BE49-F238E27FC236}">
-                <a16:creationId xmlns:a16="http://schemas.microsoft.com/office/drawing/2014/main" id="{FA4982D5-5156-1CF1-AAC0-8E861DA205D6}"/>
+                <a16:creationId xmlns:a16="http://schemas.microsoft.com/office/drawing/2014/main" id="{837E5455-134F-4E4C-EE14-158AB4C52454}"/>
               </a:ext>
             </a:extLst>
           </p:cNvPr>
@@ -1949,7 +1949,7 @@
           <a:bodyPr/>
           <a:lstStyle/>
           <a:p>
-            <a:fld id="{F5D39C47-3EF3-4F0C-BB76-D5CEC7FC649A}" type="datetimeFigureOut">
+            <a:fld id="{12F4E700-E81F-4E09-B3D1-EAD9A34CBF83}" type="datetimeFigureOut">
               <a:rPr lang="zh-CN" altLang="en-US" smtClean="0"/>
               <a:t>2024/3/10</a:t>
             </a:fld>
@@ -1962,7 +1962,7 @@
           <p:cNvPr id="4" name="页脚占位符 3">
             <a:extLst>
               <a:ext uri="{FF2B5EF4-FFF2-40B4-BE49-F238E27FC236}">
-                <a16:creationId xmlns:a16="http://schemas.microsoft.com/office/drawing/2014/main" id="{9D33F58F-0208-F212-2C07-BCCCC49A0A18}"/>
+                <a16:creationId xmlns:a16="http://schemas.microsoft.com/office/drawing/2014/main" id="{F1C8EDC2-BC01-B962-7FF2-88B122F5DE56}"/>
               </a:ext>
             </a:extLst>
           </p:cNvPr>
@@ -1987,7 +1987,7 @@
           <p:cNvPr id="5" name="灯片编号占位符 4">
             <a:extLst>
               <a:ext uri="{FF2B5EF4-FFF2-40B4-BE49-F238E27FC236}">
-                <a16:creationId xmlns:a16="http://schemas.microsoft.com/office/drawing/2014/main" id="{EF90C9F4-636A-11CA-2A37-C807067CF6A2}"/>
+                <a16:creationId xmlns:a16="http://schemas.microsoft.com/office/drawing/2014/main" id="{5316CCA5-D446-AC99-315F-2044C44B8470}"/>
               </a:ext>
             </a:extLst>
           </p:cNvPr>
@@ -2003,7 +2003,7 @@
           <a:bodyPr/>
           <a:lstStyle/>
           <a:p>
-            <a:fld id="{61051EDA-4460-4127-8758-154DEE152EA1}" type="slidenum">
+            <a:fld id="{5A15991C-1BE7-4542-9385-C83575D13DFD}" type="slidenum">
               <a:rPr lang="zh-CN" altLang="en-US" smtClean="0"/>
               <a:t>‹#›</a:t>
             </a:fld>
@@ -2014,7 +2014,7 @@
     </p:spTree>
     <p:extLst>
       <p:ext uri="{BB962C8B-B14F-4D97-AF65-F5344CB8AC3E}">
-        <p14:creationId xmlns:p14="http://schemas.microsoft.com/office/powerpoint/2010/main" val="2022180789"/>
+        <p14:creationId xmlns:p14="http://schemas.microsoft.com/office/powerpoint/2010/main" val="1264042130"/>
       </p:ext>
     </p:extLst>
   </p:cSld>
@@ -2046,7 +2046,7 @@
           <p:cNvPr id="2" name="日期占位符 1">
             <a:extLst>
               <a:ext uri="{FF2B5EF4-FFF2-40B4-BE49-F238E27FC236}">
-                <a16:creationId xmlns:a16="http://schemas.microsoft.com/office/drawing/2014/main" id="{ECD24C14-85F4-E47C-497D-E88276A3B798}"/>
+                <a16:creationId xmlns:a16="http://schemas.microsoft.com/office/drawing/2014/main" id="{C2E89E37-0621-784E-02B5-A833AC592F5B}"/>
               </a:ext>
             </a:extLst>
           </p:cNvPr>
@@ -2062,7 +2062,7 @@
           <a:bodyPr/>
           <a:lstStyle/>
           <a:p>
-            <a:fld id="{F5D39C47-3EF3-4F0C-BB76-D5CEC7FC649A}" type="datetimeFigureOut">
+            <a:fld id="{12F4E700-E81F-4E09-B3D1-EAD9A34CBF83}" type="datetimeFigureOut">
               <a:rPr lang="zh-CN" altLang="en-US" smtClean="0"/>
               <a:t>2024/3/10</a:t>
             </a:fld>
@@ -2075,7 +2075,7 @@
           <p:cNvPr id="3" name="页脚占位符 2">
             <a:extLst>
               <a:ext uri="{FF2B5EF4-FFF2-40B4-BE49-F238E27FC236}">
-                <a16:creationId xmlns:a16="http://schemas.microsoft.com/office/drawing/2014/main" id="{429F8236-577B-C449-CD82-8A3B6CA81724}"/>
+                <a16:creationId xmlns:a16="http://schemas.microsoft.com/office/drawing/2014/main" id="{D732B37B-E3E7-5E41-4720-44AF21C6B47B}"/>
               </a:ext>
             </a:extLst>
           </p:cNvPr>
@@ -2100,7 +2100,7 @@
           <p:cNvPr id="4" name="灯片编号占位符 3">
             <a:extLst>
               <a:ext uri="{FF2B5EF4-FFF2-40B4-BE49-F238E27FC236}">
-                <a16:creationId xmlns:a16="http://schemas.microsoft.com/office/drawing/2014/main" id="{B4938599-B4DB-5B9A-5E06-8DA113F5630B}"/>
+                <a16:creationId xmlns:a16="http://schemas.microsoft.com/office/drawing/2014/main" id="{D5BA54AB-7125-BD00-7AB6-A1D54D46DD46}"/>
               </a:ext>
             </a:extLst>
           </p:cNvPr>
@@ -2116,7 +2116,7 @@
           <a:bodyPr/>
           <a:lstStyle/>
           <a:p>
-            <a:fld id="{61051EDA-4460-4127-8758-154DEE152EA1}" type="slidenum">
+            <a:fld id="{5A15991C-1BE7-4542-9385-C83575D13DFD}" type="slidenum">
               <a:rPr lang="zh-CN" altLang="en-US" smtClean="0"/>
               <a:t>‹#›</a:t>
             </a:fld>
@@ -2127,7 +2127,7 @@
     </p:spTree>
     <p:extLst>
       <p:ext uri="{BB962C8B-B14F-4D97-AF65-F5344CB8AC3E}">
-        <p14:creationId xmlns:p14="http://schemas.microsoft.com/office/powerpoint/2010/main" val="3489126470"/>
+        <p14:creationId xmlns:p14="http://schemas.microsoft.com/office/powerpoint/2010/main" val="3509725193"/>
       </p:ext>
     </p:extLst>
   </p:cSld>
@@ -2159,7 +2159,7 @@
           <p:cNvPr id="2" name="标题 1">
             <a:extLst>
               <a:ext uri="{FF2B5EF4-FFF2-40B4-BE49-F238E27FC236}">
-                <a16:creationId xmlns:a16="http://schemas.microsoft.com/office/drawing/2014/main" id="{170D4614-EED2-EEB5-53AF-1C435F9D6B01}"/>
+                <a16:creationId xmlns:a16="http://schemas.microsoft.com/office/drawing/2014/main" id="{F3606F92-8568-2FCA-89F0-641CFEEB1B0E}"/>
               </a:ext>
             </a:extLst>
           </p:cNvPr>
@@ -2196,7 +2196,7 @@
           <p:cNvPr id="3" name="内容占位符 2">
             <a:extLst>
               <a:ext uri="{FF2B5EF4-FFF2-40B4-BE49-F238E27FC236}">
-                <a16:creationId xmlns:a16="http://schemas.microsoft.com/office/drawing/2014/main" id="{A221C0E9-A057-E6E0-73D9-79CFBF39BB35}"/>
+                <a16:creationId xmlns:a16="http://schemas.microsoft.com/office/drawing/2014/main" id="{E6429E8B-0377-5F00-6FD1-37EA012D7206}"/>
               </a:ext>
             </a:extLst>
           </p:cNvPr>
@@ -2286,7 +2286,7 @@
           <p:cNvPr id="4" name="文本占位符 3">
             <a:extLst>
               <a:ext uri="{FF2B5EF4-FFF2-40B4-BE49-F238E27FC236}">
-                <a16:creationId xmlns:a16="http://schemas.microsoft.com/office/drawing/2014/main" id="{99FBB6E0-0225-3404-9303-BE6CF2C3174C}"/>
+                <a16:creationId xmlns:a16="http://schemas.microsoft.com/office/drawing/2014/main" id="{4C36A528-05CE-6DCF-D190-660BA6C92BBD}"/>
               </a:ext>
             </a:extLst>
           </p:cNvPr>
@@ -2357,7 +2357,7 @@
           <p:cNvPr id="5" name="日期占位符 4">
             <a:extLst>
               <a:ext uri="{FF2B5EF4-FFF2-40B4-BE49-F238E27FC236}">
-                <a16:creationId xmlns:a16="http://schemas.microsoft.com/office/drawing/2014/main" id="{92B18642-B1C4-8949-D88E-F56098406512}"/>
+                <a16:creationId xmlns:a16="http://schemas.microsoft.com/office/drawing/2014/main" id="{15F513C0-7484-7DAE-E91E-1557E67536A5}"/>
               </a:ext>
             </a:extLst>
           </p:cNvPr>
@@ -2373,7 +2373,7 @@
           <a:bodyPr/>
           <a:lstStyle/>
           <a:p>
-            <a:fld id="{F5D39C47-3EF3-4F0C-BB76-D5CEC7FC649A}" type="datetimeFigureOut">
+            <a:fld id="{12F4E700-E81F-4E09-B3D1-EAD9A34CBF83}" type="datetimeFigureOut">
               <a:rPr lang="zh-CN" altLang="en-US" smtClean="0"/>
               <a:t>2024/3/10</a:t>
             </a:fld>
@@ -2386,7 +2386,7 @@
           <p:cNvPr id="6" name="页脚占位符 5">
             <a:extLst>
               <a:ext uri="{FF2B5EF4-FFF2-40B4-BE49-F238E27FC236}">
-                <a16:creationId xmlns:a16="http://schemas.microsoft.com/office/drawing/2014/main" id="{685468AF-D562-3F1A-3295-93F0F82C1BE7}"/>
+                <a16:creationId xmlns:a16="http://schemas.microsoft.com/office/drawing/2014/main" id="{C8074C94-359F-9F93-3FB0-C7AAA512A22D}"/>
               </a:ext>
             </a:extLst>
           </p:cNvPr>
@@ -2411,7 +2411,7 @@
           <p:cNvPr id="7" name="灯片编号占位符 6">
             <a:extLst>
               <a:ext uri="{FF2B5EF4-FFF2-40B4-BE49-F238E27FC236}">
-                <a16:creationId xmlns:a16="http://schemas.microsoft.com/office/drawing/2014/main" id="{44AEE308-CC3E-6A9F-9496-0D33023D0109}"/>
+                <a16:creationId xmlns:a16="http://schemas.microsoft.com/office/drawing/2014/main" id="{D1000B94-ADA2-00D8-16CE-7CE0293DFEF4}"/>
               </a:ext>
             </a:extLst>
           </p:cNvPr>
@@ -2427,7 +2427,7 @@
           <a:bodyPr/>
           <a:lstStyle/>
           <a:p>
-            <a:fld id="{61051EDA-4460-4127-8758-154DEE152EA1}" type="slidenum">
+            <a:fld id="{5A15991C-1BE7-4542-9385-C83575D13DFD}" type="slidenum">
               <a:rPr lang="zh-CN" altLang="en-US" smtClean="0"/>
               <a:t>‹#›</a:t>
             </a:fld>
@@ -2438,7 +2438,7 @@
     </p:spTree>
     <p:extLst>
       <p:ext uri="{BB962C8B-B14F-4D97-AF65-F5344CB8AC3E}">
-        <p14:creationId xmlns:p14="http://schemas.microsoft.com/office/powerpoint/2010/main" val="2249418186"/>
+        <p14:creationId xmlns:p14="http://schemas.microsoft.com/office/powerpoint/2010/main" val="1614315533"/>
       </p:ext>
     </p:extLst>
   </p:cSld>
@@ -2470,7 +2470,7 @@
           <p:cNvPr id="2" name="标题 1">
             <a:extLst>
               <a:ext uri="{FF2B5EF4-FFF2-40B4-BE49-F238E27FC236}">
-                <a16:creationId xmlns:a16="http://schemas.microsoft.com/office/drawing/2014/main" id="{272F4BD9-BAA2-6B1D-6A98-011452E3124A}"/>
+                <a16:creationId xmlns:a16="http://schemas.microsoft.com/office/drawing/2014/main" id="{F0363D3F-BB63-A977-03C1-9E88A8E0ABA9}"/>
               </a:ext>
             </a:extLst>
           </p:cNvPr>
@@ -2507,7 +2507,7 @@
           <p:cNvPr id="3" name="图片占位符 2">
             <a:extLst>
               <a:ext uri="{FF2B5EF4-FFF2-40B4-BE49-F238E27FC236}">
-                <a16:creationId xmlns:a16="http://schemas.microsoft.com/office/drawing/2014/main" id="{B2887099-44C8-89F8-EB4F-E29ABF4D0CC2}"/>
+                <a16:creationId xmlns:a16="http://schemas.microsoft.com/office/drawing/2014/main" id="{2126F2C8-7B9B-04F7-9EE0-1494D6B09CEF}"/>
               </a:ext>
             </a:extLst>
           </p:cNvPr>
@@ -2574,7 +2574,7 @@
           <p:cNvPr id="4" name="文本占位符 3">
             <a:extLst>
               <a:ext uri="{FF2B5EF4-FFF2-40B4-BE49-F238E27FC236}">
-                <a16:creationId xmlns:a16="http://schemas.microsoft.com/office/drawing/2014/main" id="{E5D58E10-9BD4-5EE5-8176-003CC1BAE10E}"/>
+                <a16:creationId xmlns:a16="http://schemas.microsoft.com/office/drawing/2014/main" id="{6BEA642B-C370-474B-752A-679E4326257F}"/>
               </a:ext>
             </a:extLst>
           </p:cNvPr>
@@ -2645,7 +2645,7 @@
           <p:cNvPr id="5" name="日期占位符 4">
             <a:extLst>
               <a:ext uri="{FF2B5EF4-FFF2-40B4-BE49-F238E27FC236}">
-                <a16:creationId xmlns:a16="http://schemas.microsoft.com/office/drawing/2014/main" id="{A0692F15-DB05-F5BE-5F4E-58FE8917BC74}"/>
+                <a16:creationId xmlns:a16="http://schemas.microsoft.com/office/drawing/2014/main" id="{B0313BDC-8274-83D2-F8EB-178B849830E4}"/>
               </a:ext>
             </a:extLst>
           </p:cNvPr>
@@ -2661,7 +2661,7 @@
           <a:bodyPr/>
           <a:lstStyle/>
           <a:p>
-            <a:fld id="{F5D39C47-3EF3-4F0C-BB76-D5CEC7FC649A}" type="datetimeFigureOut">
+            <a:fld id="{12F4E700-E81F-4E09-B3D1-EAD9A34CBF83}" type="datetimeFigureOut">
               <a:rPr lang="zh-CN" altLang="en-US" smtClean="0"/>
               <a:t>2024/3/10</a:t>
             </a:fld>
@@ -2674,7 +2674,7 @@
           <p:cNvPr id="6" name="页脚占位符 5">
             <a:extLst>
               <a:ext uri="{FF2B5EF4-FFF2-40B4-BE49-F238E27FC236}">
-                <a16:creationId xmlns:a16="http://schemas.microsoft.com/office/drawing/2014/main" id="{BBDC5B98-0713-6C85-B106-DBEE1589BC2B}"/>
+                <a16:creationId xmlns:a16="http://schemas.microsoft.com/office/drawing/2014/main" id="{1C7AF962-51E8-6438-8BC6-B4D87A02CD26}"/>
               </a:ext>
             </a:extLst>
           </p:cNvPr>
@@ -2699,7 +2699,7 @@
           <p:cNvPr id="7" name="灯片编号占位符 6">
             <a:extLst>
               <a:ext uri="{FF2B5EF4-FFF2-40B4-BE49-F238E27FC236}">
-                <a16:creationId xmlns:a16="http://schemas.microsoft.com/office/drawing/2014/main" id="{CCEF35F9-29F1-9451-6071-45E085C358CB}"/>
+                <a16:creationId xmlns:a16="http://schemas.microsoft.com/office/drawing/2014/main" id="{B977CA9D-3961-8E27-94AD-0F6F61B4718F}"/>
               </a:ext>
             </a:extLst>
           </p:cNvPr>
@@ -2715,7 +2715,7 @@
           <a:bodyPr/>
           <a:lstStyle/>
           <a:p>
-            <a:fld id="{61051EDA-4460-4127-8758-154DEE152EA1}" type="slidenum">
+            <a:fld id="{5A15991C-1BE7-4542-9385-C83575D13DFD}" type="slidenum">
               <a:rPr lang="zh-CN" altLang="en-US" smtClean="0"/>
               <a:t>‹#›</a:t>
             </a:fld>
@@ -2726,7 +2726,7 @@
     </p:spTree>
     <p:extLst>
       <p:ext uri="{BB962C8B-B14F-4D97-AF65-F5344CB8AC3E}">
-        <p14:creationId xmlns:p14="http://schemas.microsoft.com/office/powerpoint/2010/main" val="2218610708"/>
+        <p14:creationId xmlns:p14="http://schemas.microsoft.com/office/powerpoint/2010/main" val="3690894770"/>
       </p:ext>
     </p:extLst>
   </p:cSld>
@@ -2763,7 +2763,7 @@
           <p:cNvPr id="2" name="标题占位符 1">
             <a:extLst>
               <a:ext uri="{FF2B5EF4-FFF2-40B4-BE49-F238E27FC236}">
-                <a16:creationId xmlns:a16="http://schemas.microsoft.com/office/drawing/2014/main" id="{1C04C4F4-D678-98B1-C201-29FFDD2D6EED}"/>
+                <a16:creationId xmlns:a16="http://schemas.microsoft.com/office/drawing/2014/main" id="{603A22B1-9889-9CBA-0946-705E583CE2E9}"/>
               </a:ext>
             </a:extLst>
           </p:cNvPr>
@@ -2801,7 +2801,7 @@
           <p:cNvPr id="3" name="文本占位符 2">
             <a:extLst>
               <a:ext uri="{FF2B5EF4-FFF2-40B4-BE49-F238E27FC236}">
-                <a16:creationId xmlns:a16="http://schemas.microsoft.com/office/drawing/2014/main" id="{35BECEFE-03E5-0F14-E07F-25D50A219169}"/>
+                <a16:creationId xmlns:a16="http://schemas.microsoft.com/office/drawing/2014/main" id="{6FD1D8A3-B154-47BB-999E-3DECE08F90B3}"/>
               </a:ext>
             </a:extLst>
           </p:cNvPr>
@@ -2868,7 +2868,7 @@
           <p:cNvPr id="4" name="日期占位符 3">
             <a:extLst>
               <a:ext uri="{FF2B5EF4-FFF2-40B4-BE49-F238E27FC236}">
-                <a16:creationId xmlns:a16="http://schemas.microsoft.com/office/drawing/2014/main" id="{BC5E6D31-D088-EEC4-F0E2-579F1F04F524}"/>
+                <a16:creationId xmlns:a16="http://schemas.microsoft.com/office/drawing/2014/main" id="{60083008-8749-04E2-DD93-27804F54800C}"/>
               </a:ext>
             </a:extLst>
           </p:cNvPr>
@@ -2902,7 +2902,7 @@
             </a:lvl1pPr>
           </a:lstStyle>
           <a:p>
-            <a:fld id="{F5D39C47-3EF3-4F0C-BB76-D5CEC7FC649A}" type="datetimeFigureOut">
+            <a:fld id="{12F4E700-E81F-4E09-B3D1-EAD9A34CBF83}" type="datetimeFigureOut">
               <a:rPr lang="zh-CN" altLang="en-US" smtClean="0"/>
               <a:t>2024/3/10</a:t>
             </a:fld>
@@ -2915,7 +2915,7 @@
           <p:cNvPr id="5" name="页脚占位符 4">
             <a:extLst>
               <a:ext uri="{FF2B5EF4-FFF2-40B4-BE49-F238E27FC236}">
-                <a16:creationId xmlns:a16="http://schemas.microsoft.com/office/drawing/2014/main" id="{13A379AC-FEEB-AF70-F8CF-AFE6DFCA85FF}"/>
+                <a16:creationId xmlns:a16="http://schemas.microsoft.com/office/drawing/2014/main" id="{E64FB39D-76C4-67C3-3CCC-610152EAAC2C}"/>
               </a:ext>
             </a:extLst>
           </p:cNvPr>
@@ -2958,7 +2958,7 @@
           <p:cNvPr id="6" name="灯片编号占位符 5">
             <a:extLst>
               <a:ext uri="{FF2B5EF4-FFF2-40B4-BE49-F238E27FC236}">
-                <a16:creationId xmlns:a16="http://schemas.microsoft.com/office/drawing/2014/main" id="{4F12C3DC-E21A-74CA-E73C-3D89F9A37030}"/>
+                <a16:creationId xmlns:a16="http://schemas.microsoft.com/office/drawing/2014/main" id="{B47F6FC2-59C6-9C06-32FA-F862ABE5D73E}"/>
               </a:ext>
             </a:extLst>
           </p:cNvPr>
@@ -2992,7 +2992,7 @@
             </a:lvl1pPr>
           </a:lstStyle>
           <a:p>
-            <a:fld id="{61051EDA-4460-4127-8758-154DEE152EA1}" type="slidenum">
+            <a:fld id="{5A15991C-1BE7-4542-9385-C83575D13DFD}" type="slidenum">
               <a:rPr lang="zh-CN" altLang="en-US" smtClean="0"/>
               <a:t>‹#›</a:t>
             </a:fld>
@@ -3003,7 +3003,7 @@
     </p:spTree>
     <p:extLst>
       <p:ext uri="{BB962C8B-B14F-4D97-AF65-F5344CB8AC3E}">
-        <p14:creationId xmlns:p14="http://schemas.microsoft.com/office/powerpoint/2010/main" val="909470184"/>
+        <p14:creationId xmlns:p14="http://schemas.microsoft.com/office/powerpoint/2010/main" val="854143930"/>
       </p:ext>
     </p:extLst>
   </p:cSld>
@@ -3323,7 +3323,7 @@
       </p:grpSpPr>
       <p:pic>
         <p:nvPicPr>
-          <p:cNvPr id="1167362" name="Picture 2" descr="1139"/>
+          <p:cNvPr id="1168386" name="Picture 2" descr="1140"/>
           <p:cNvPicPr>
             <a:picLocks noChangeAspect="1" noChangeArrowheads="1"/>
           </p:cNvPicPr>
@@ -3375,158 +3375,11 @@
           </a:extLst>
         </p:spPr>
       </p:pic>
-      <p:pic>
-        <p:nvPicPr>
-          <p:cNvPr id="1168387" name="Picture 3" descr="1139-2"/>
-          <p:cNvPicPr>
-            <a:picLocks noChangeAspect="1" noChangeArrowheads="1"/>
-          </p:cNvPicPr>
-          <p:nvPr/>
-        </p:nvPicPr>
-        <p:blipFill>
-          <a:blip r:embed="rId3">
-            <a:extLst>
-              <a:ext uri="{28A0092B-C50C-407E-A947-70E740481C1C}">
-                <a14:useLocalDpi xmlns:a14="http://schemas.microsoft.com/office/drawing/2010/main" val="0"/>
-              </a:ext>
-            </a:extLst>
-          </a:blip>
-          <a:srcRect/>
-          <a:stretch>
-            <a:fillRect/>
-          </a:stretch>
-        </p:blipFill>
-        <p:spPr bwMode="auto">
-          <a:xfrm>
-            <a:off x="1501776" y="0"/>
-            <a:ext cx="9166225" cy="6858000"/>
-          </a:xfrm>
-          <a:prstGeom prst="rect">
-            <a:avLst/>
-          </a:prstGeom>
-          <a:noFill/>
-          <a:ln>
-            <a:noFill/>
-          </a:ln>
-          <a:effectLst/>
-          <a:extLst>
-            <a:ext uri="{909E8E84-426E-40DD-AFC4-6F175D3DCCD1}">
-              <a14:hiddenFill xmlns:a14="http://schemas.microsoft.com/office/drawing/2010/main">
-                <a:solidFill>
-                  <a:srgbClr val="FFFFFF"/>
-                </a:solidFill>
-              </a14:hiddenFill>
-            </a:ext>
-            <a:ext uri="{91240B29-F687-4F45-9708-019B960494DF}">
-              <a14:hiddenLine xmlns:a14="http://schemas.microsoft.com/office/drawing/2010/main" w="9525">
-                <a:solidFill>
-                  <a:srgbClr val="000000"/>
-                </a:solidFill>
-                <a:miter lim="800000"/>
-                <a:headEnd/>
-                <a:tailEnd/>
-              </a14:hiddenLine>
-            </a:ext>
-            <a:ext uri="{AF507438-7753-43E0-B8FC-AC1667EBCBE1}">
-              <a14:hiddenEffects xmlns:a14="http://schemas.microsoft.com/office/drawing/2010/main">
-                <a:effectLst>
-                  <a:outerShdw dist="35921" dir="2700000" algn="ctr" rotWithShape="0">
-                    <a:srgbClr val="808080"/>
-                  </a:outerShdw>
-                </a:effectLst>
-              </a14:hiddenEffects>
-            </a:ext>
-          </a:extLst>
-        </p:spPr>
-      </p:pic>
     </p:spTree>
   </p:cSld>
   <p:clrMapOvr>
     <a:masterClrMapping/>
   </p:clrMapOvr>
-  <p:timing>
-    <p:tnLst>
-      <p:par>
-        <p:cTn id="1" dur="indefinite" restart="never" nodeType="tmRoot">
-          <p:childTnLst>
-            <p:seq concurrent="1" nextAc="seek">
-              <p:cTn id="2" dur="indefinite" nodeType="mainSeq">
-                <p:childTnLst>
-                  <p:par>
-                    <p:cTn id="3" fill="hold" nodeType="clickPar">
-                      <p:stCondLst>
-                        <p:cond delay="indefinite"/>
-                      </p:stCondLst>
-                      <p:childTnLst>
-                        <p:par>
-                          <p:cTn id="4" fill="hold" nodeType="withGroup">
-                            <p:stCondLst>
-                              <p:cond delay="0"/>
-                            </p:stCondLst>
-                            <p:childTnLst>
-                              <p:par>
-                                <p:cTn id="5" presetID="10" presetClass="entr" presetSubtype="0" fill="hold" nodeType="clickEffect">
-                                  <p:stCondLst>
-                                    <p:cond delay="0"/>
-                                  </p:stCondLst>
-                                  <p:childTnLst>
-                                    <p:set>
-                                      <p:cBhvr>
-                                        <p:cTn id="6" dur="1" fill="hold">
-                                          <p:stCondLst>
-                                            <p:cond delay="0"/>
-                                          </p:stCondLst>
-                                        </p:cTn>
-                                        <p:tgtEl>
-                                          <p:spTgt spid="1168387"/>
-                                        </p:tgtEl>
-                                        <p:attrNameLst>
-                                          <p:attrName>style.visibility</p:attrName>
-                                        </p:attrNameLst>
-                                      </p:cBhvr>
-                                      <p:to>
-                                        <p:strVal val="visible"/>
-                                      </p:to>
-                                    </p:set>
-                                    <p:animEffect transition="in" filter="fade">
-                                      <p:cBhvr>
-                                        <p:cTn id="7" dur="500"/>
-                                        <p:tgtEl>
-                                          <p:spTgt spid="1168387"/>
-                                        </p:tgtEl>
-                                      </p:cBhvr>
-                                    </p:animEffect>
-                                  </p:childTnLst>
-                                </p:cTn>
-                              </p:par>
-                            </p:childTnLst>
-                          </p:cTn>
-                        </p:par>
-                      </p:childTnLst>
-                    </p:cTn>
-                  </p:par>
-                </p:childTnLst>
-              </p:cTn>
-              <p:prevCondLst>
-                <p:cond evt="onPrev" delay="0">
-                  <p:tgtEl>
-                    <p:sldTgt/>
-                  </p:tgtEl>
-                </p:cond>
-              </p:prevCondLst>
-              <p:nextCondLst>
-                <p:cond evt="onNext" delay="0">
-                  <p:tgtEl>
-                    <p:sldTgt/>
-                  </p:tgtEl>
-                </p:cond>
-              </p:nextCondLst>
-            </p:seq>
-          </p:childTnLst>
-        </p:cTn>
-      </p:par>
-    </p:tnLst>
-  </p:timing>
 </p:sld>
 </file>
 
